--- a/fox_multimessenger-astronomy/documentation/Model Architectures.pptx
+++ b/fox_multimessenger-astronomy/documentation/Model Architectures.pptx
@@ -22,14 +22,19 @@
     <p:sldId id="267" r:id="rId16"/>
     <p:sldId id="268" r:id="rId17"/>
     <p:sldId id="269" r:id="rId18"/>
+    <p:sldId id="270" r:id="rId19"/>
+    <p:sldId id="271" r:id="rId20"/>
+    <p:sldId id="272" r:id="rId21"/>
+    <p:sldId id="273" r:id="rId22"/>
+    <p:sldId id="274" r:id="rId23"/>
   </p:sldIdLst>
   <p:sldSz cy="6858000" cx="12192000"/>
   <p:notesSz cx="6858000" cy="9144000"/>
   <p:embeddedFontLst>
     <p:embeddedFont>
       <p:font typeface="Play"/>
-      <p:regular r:id="rId19"/>
-      <p:bold r:id="rId20"/>
+      <p:regular r:id="rId24"/>
+      <p:bold r:id="rId25"/>
     </p:embeddedFont>
   </p:embeddedFontLst>
   <p:defaultTextStyle>
@@ -263,7 +268,7 @@
   </p:defaultTextStyle>
   <p:extLst>
     <p:ext uri="GoogleSlidesCustomDataVersion2">
-      <go:slidesCustomData xmlns:go="http://customooxmlschemas.google.com/" r:id="rId21" roundtripDataSignature="AMtx7mjXcWwTawO11VLdLNCGPftehSCI1g=="/>
+      <go:slidesCustomData xmlns:go="http://customooxmlschemas.google.com/" r:id="rId26" roundtripDataSignature="AMtx7mg1hOFrPo6zKLyi7km3elFWLV5grg=="/>
     </p:ext>
   </p:extLst>
 </p:presentation>
@@ -1280,6 +1285,501 @@
             <a:endParaRPr/>
           </a:p>
         </p:txBody>
+      </p:sp>
+    </p:spTree>
+  </p:cSld>
+  <p:clrMapOvr>
+    <a:masterClrMapping/>
+  </p:clrMapOvr>
+</p:notes>
+</file>
+
+<file path=ppt/notesSlides/notesSlide15.xml><?xml version="1.0" encoding="utf-8"?>
+<p:notes xmlns:a="http://schemas.openxmlformats.org/drawingml/2006/main" xmlns:r="http://schemas.openxmlformats.org/officeDocument/2006/relationships" xmlns:mc="http://schemas.openxmlformats.org/markup-compatibility/2006" xmlns:mv="urn:schemas-microsoft-com:mac:vml" xmlns:p="http://schemas.openxmlformats.org/presentationml/2006/main" xmlns:c="http://schemas.openxmlformats.org/drawingml/2006/chart" xmlns:dgm="http://schemas.openxmlformats.org/drawingml/2006/diagram" xmlns:o="urn:schemas-microsoft-com:office:office" xmlns:v="urn:schemas-microsoft-com:vml" xmlns:pvml="urn:schemas-microsoft-com:office:powerpoint" xmlns:com="http://schemas.openxmlformats.org/drawingml/2006/compatibility" xmlns:p14="http://schemas.microsoft.com/office/powerpoint/2010/main" xmlns:p15="http://schemas.microsoft.com/office/powerpoint/2012/main" xmlns:ahyp="http://schemas.microsoft.com/office/drawing/2018/hyperlinkcolor" showMasterPhAnim="0" showMasterSp="0">
+  <p:cSld>
+    <p:spTree>
+      <p:nvGrpSpPr>
+        <p:cNvPr id="210" name="Shape 210"/>
+        <p:cNvGrpSpPr/>
+        <p:nvPr/>
+      </p:nvGrpSpPr>
+      <p:grpSpPr>
+        <a:xfrm>
+          <a:off x="0" y="0"/>
+          <a:ext cx="0" cy="0"/>
+          <a:chOff x="0" y="0"/>
+          <a:chExt cx="0" cy="0"/>
+        </a:xfrm>
+      </p:grpSpPr>
+      <p:sp>
+        <p:nvSpPr>
+          <p:cNvPr id="211" name="Google Shape;211;g2ebaabe033b_0_0:notes"/>
+          <p:cNvSpPr txBox="1"/>
+          <p:nvPr>
+            <p:ph idx="1" type="body"/>
+          </p:nvPr>
+        </p:nvSpPr>
+        <p:spPr>
+          <a:xfrm>
+            <a:off x="685800" y="4343400"/>
+            <a:ext cx="5486400" cy="4114800"/>
+          </a:xfrm>
+          <a:prstGeom prst="rect">
+            <a:avLst/>
+          </a:prstGeom>
+        </p:spPr>
+        <p:txBody>
+          <a:bodyPr anchorCtr="0" anchor="t" bIns="91425" lIns="91425" spcFirstLastPara="1" rIns="91425" wrap="square" tIns="91425">
+            <a:noAutofit/>
+          </a:bodyPr>
+          <a:lstStyle/>
+          <a:p>
+            <a:pPr indent="0" lvl="0" marL="0" rtl="0" algn="l">
+              <a:spcBef>
+                <a:spcPts val="0"/>
+              </a:spcBef>
+              <a:spcAft>
+                <a:spcPts val="0"/>
+              </a:spcAft>
+              <a:buNone/>
+            </a:pPr>
+            <a:r>
+              <a:t/>
+            </a:r>
+            <a:endParaRPr/>
+          </a:p>
+        </p:txBody>
+      </p:sp>
+      <p:sp>
+        <p:nvSpPr>
+          <p:cNvPr id="212" name="Google Shape;212;g2ebaabe033b_0_0:notes"/>
+          <p:cNvSpPr/>
+          <p:nvPr>
+            <p:ph idx="2" type="sldImg"/>
+          </p:nvPr>
+        </p:nvSpPr>
+        <p:spPr>
+          <a:xfrm>
+            <a:off x="1143225" y="685800"/>
+            <a:ext cx="4572300" cy="3429000"/>
+          </a:xfrm>
+          <a:custGeom>
+            <a:rect b="b" l="l" r="r" t="t"/>
+            <a:pathLst>
+              <a:path extrusionOk="0" h="120000" w="120000">
+                <a:moveTo>
+                  <a:pt x="0" y="0"/>
+                </a:moveTo>
+                <a:lnTo>
+                  <a:pt x="120000" y="0"/>
+                </a:lnTo>
+                <a:lnTo>
+                  <a:pt x="120000" y="120000"/>
+                </a:lnTo>
+                <a:lnTo>
+                  <a:pt x="0" y="120000"/>
+                </a:lnTo>
+                <a:close/>
+              </a:path>
+            </a:pathLst>
+          </a:custGeom>
+        </p:spPr>
+      </p:sp>
+    </p:spTree>
+  </p:cSld>
+  <p:clrMapOvr>
+    <a:masterClrMapping/>
+  </p:clrMapOvr>
+</p:notes>
+</file>
+
+<file path=ppt/notesSlides/notesSlide16.xml><?xml version="1.0" encoding="utf-8"?>
+<p:notes xmlns:a="http://schemas.openxmlformats.org/drawingml/2006/main" xmlns:r="http://schemas.openxmlformats.org/officeDocument/2006/relationships" xmlns:mc="http://schemas.openxmlformats.org/markup-compatibility/2006" xmlns:mv="urn:schemas-microsoft-com:mac:vml" xmlns:p="http://schemas.openxmlformats.org/presentationml/2006/main" xmlns:c="http://schemas.openxmlformats.org/drawingml/2006/chart" xmlns:dgm="http://schemas.openxmlformats.org/drawingml/2006/diagram" xmlns:o="urn:schemas-microsoft-com:office:office" xmlns:v="urn:schemas-microsoft-com:vml" xmlns:pvml="urn:schemas-microsoft-com:office:powerpoint" xmlns:com="http://schemas.openxmlformats.org/drawingml/2006/compatibility" xmlns:p14="http://schemas.microsoft.com/office/powerpoint/2010/main" xmlns:p15="http://schemas.microsoft.com/office/powerpoint/2012/main" xmlns:ahyp="http://schemas.microsoft.com/office/drawing/2018/hyperlinkcolor" showMasterPhAnim="0" showMasterSp="0">
+  <p:cSld>
+    <p:spTree>
+      <p:nvGrpSpPr>
+        <p:cNvPr id="215" name="Shape 215"/>
+        <p:cNvGrpSpPr/>
+        <p:nvPr/>
+      </p:nvGrpSpPr>
+      <p:grpSpPr>
+        <a:xfrm>
+          <a:off x="0" y="0"/>
+          <a:ext cx="0" cy="0"/>
+          <a:chOff x="0" y="0"/>
+          <a:chExt cx="0" cy="0"/>
+        </a:xfrm>
+      </p:grpSpPr>
+      <p:sp>
+        <p:nvSpPr>
+          <p:cNvPr id="216" name="Google Shape;216;g2ebaabe033b_0_4:notes"/>
+          <p:cNvSpPr txBox="1"/>
+          <p:nvPr>
+            <p:ph idx="1" type="body"/>
+          </p:nvPr>
+        </p:nvSpPr>
+        <p:spPr>
+          <a:xfrm>
+            <a:off x="685800" y="4343400"/>
+            <a:ext cx="5486400" cy="4114800"/>
+          </a:xfrm>
+          <a:prstGeom prst="rect">
+            <a:avLst/>
+          </a:prstGeom>
+        </p:spPr>
+        <p:txBody>
+          <a:bodyPr anchorCtr="0" anchor="t" bIns="91425" lIns="91425" spcFirstLastPara="1" rIns="91425" wrap="square" tIns="91425">
+            <a:noAutofit/>
+          </a:bodyPr>
+          <a:lstStyle/>
+          <a:p>
+            <a:pPr indent="0" lvl="0" marL="0" rtl="0" algn="l">
+              <a:spcBef>
+                <a:spcPts val="0"/>
+              </a:spcBef>
+              <a:spcAft>
+                <a:spcPts val="0"/>
+              </a:spcAft>
+              <a:buNone/>
+            </a:pPr>
+            <a:r>
+              <a:t/>
+            </a:r>
+            <a:endParaRPr/>
+          </a:p>
+        </p:txBody>
+      </p:sp>
+      <p:sp>
+        <p:nvSpPr>
+          <p:cNvPr id="217" name="Google Shape;217;g2ebaabe033b_0_4:notes"/>
+          <p:cNvSpPr/>
+          <p:nvPr>
+            <p:ph idx="2" type="sldImg"/>
+          </p:nvPr>
+        </p:nvSpPr>
+        <p:spPr>
+          <a:xfrm>
+            <a:off x="1143225" y="685800"/>
+            <a:ext cx="4572300" cy="3429000"/>
+          </a:xfrm>
+          <a:custGeom>
+            <a:rect b="b" l="l" r="r" t="t"/>
+            <a:pathLst>
+              <a:path extrusionOk="0" h="120000" w="120000">
+                <a:moveTo>
+                  <a:pt x="0" y="0"/>
+                </a:moveTo>
+                <a:lnTo>
+                  <a:pt x="120000" y="0"/>
+                </a:lnTo>
+                <a:lnTo>
+                  <a:pt x="120000" y="120000"/>
+                </a:lnTo>
+                <a:lnTo>
+                  <a:pt x="0" y="120000"/>
+                </a:lnTo>
+                <a:close/>
+              </a:path>
+            </a:pathLst>
+          </a:custGeom>
+        </p:spPr>
+      </p:sp>
+    </p:spTree>
+  </p:cSld>
+  <p:clrMapOvr>
+    <a:masterClrMapping/>
+  </p:clrMapOvr>
+</p:notes>
+</file>
+
+<file path=ppt/notesSlides/notesSlide17.xml><?xml version="1.0" encoding="utf-8"?>
+<p:notes xmlns:a="http://schemas.openxmlformats.org/drawingml/2006/main" xmlns:r="http://schemas.openxmlformats.org/officeDocument/2006/relationships" xmlns:mc="http://schemas.openxmlformats.org/markup-compatibility/2006" xmlns:mv="urn:schemas-microsoft-com:mac:vml" xmlns:p="http://schemas.openxmlformats.org/presentationml/2006/main" xmlns:c="http://schemas.openxmlformats.org/drawingml/2006/chart" xmlns:dgm="http://schemas.openxmlformats.org/drawingml/2006/diagram" xmlns:o="urn:schemas-microsoft-com:office:office" xmlns:v="urn:schemas-microsoft-com:vml" xmlns:pvml="urn:schemas-microsoft-com:office:powerpoint" xmlns:com="http://schemas.openxmlformats.org/drawingml/2006/compatibility" xmlns:p14="http://schemas.microsoft.com/office/powerpoint/2010/main" xmlns:p15="http://schemas.microsoft.com/office/powerpoint/2012/main" xmlns:ahyp="http://schemas.microsoft.com/office/drawing/2018/hyperlinkcolor" showMasterPhAnim="0" showMasterSp="0">
+  <p:cSld>
+    <p:spTree>
+      <p:nvGrpSpPr>
+        <p:cNvPr id="221" name="Shape 221"/>
+        <p:cNvGrpSpPr/>
+        <p:nvPr/>
+      </p:nvGrpSpPr>
+      <p:grpSpPr>
+        <a:xfrm>
+          <a:off x="0" y="0"/>
+          <a:ext cx="0" cy="0"/>
+          <a:chOff x="0" y="0"/>
+          <a:chExt cx="0" cy="0"/>
+        </a:xfrm>
+      </p:grpSpPr>
+      <p:sp>
+        <p:nvSpPr>
+          <p:cNvPr id="222" name="Google Shape;222;g2ebaabe033b_0_10:notes"/>
+          <p:cNvSpPr txBox="1"/>
+          <p:nvPr>
+            <p:ph idx="1" type="body"/>
+          </p:nvPr>
+        </p:nvSpPr>
+        <p:spPr>
+          <a:xfrm>
+            <a:off x="685800" y="4343400"/>
+            <a:ext cx="5486400" cy="4114800"/>
+          </a:xfrm>
+          <a:prstGeom prst="rect">
+            <a:avLst/>
+          </a:prstGeom>
+        </p:spPr>
+        <p:txBody>
+          <a:bodyPr anchorCtr="0" anchor="t" bIns="91425" lIns="91425" spcFirstLastPara="1" rIns="91425" wrap="square" tIns="91425">
+            <a:noAutofit/>
+          </a:bodyPr>
+          <a:lstStyle/>
+          <a:p>
+            <a:pPr indent="0" lvl="0" marL="0" rtl="0" algn="l">
+              <a:spcBef>
+                <a:spcPts val="0"/>
+              </a:spcBef>
+              <a:spcAft>
+                <a:spcPts val="0"/>
+              </a:spcAft>
+              <a:buNone/>
+            </a:pPr>
+            <a:r>
+              <a:t/>
+            </a:r>
+            <a:endParaRPr/>
+          </a:p>
+        </p:txBody>
+      </p:sp>
+      <p:sp>
+        <p:nvSpPr>
+          <p:cNvPr id="223" name="Google Shape;223;g2ebaabe033b_0_10:notes"/>
+          <p:cNvSpPr/>
+          <p:nvPr>
+            <p:ph idx="2" type="sldImg"/>
+          </p:nvPr>
+        </p:nvSpPr>
+        <p:spPr>
+          <a:xfrm>
+            <a:off x="1143225" y="685800"/>
+            <a:ext cx="4572300" cy="3429000"/>
+          </a:xfrm>
+          <a:custGeom>
+            <a:rect b="b" l="l" r="r" t="t"/>
+            <a:pathLst>
+              <a:path extrusionOk="0" h="120000" w="120000">
+                <a:moveTo>
+                  <a:pt x="0" y="0"/>
+                </a:moveTo>
+                <a:lnTo>
+                  <a:pt x="120000" y="0"/>
+                </a:lnTo>
+                <a:lnTo>
+                  <a:pt x="120000" y="120000"/>
+                </a:lnTo>
+                <a:lnTo>
+                  <a:pt x="0" y="120000"/>
+                </a:lnTo>
+                <a:close/>
+              </a:path>
+            </a:pathLst>
+          </a:custGeom>
+        </p:spPr>
+      </p:sp>
+    </p:spTree>
+  </p:cSld>
+  <p:clrMapOvr>
+    <a:masterClrMapping/>
+  </p:clrMapOvr>
+</p:notes>
+</file>
+
+<file path=ppt/notesSlides/notesSlide18.xml><?xml version="1.0" encoding="utf-8"?>
+<p:notes xmlns:a="http://schemas.openxmlformats.org/drawingml/2006/main" xmlns:r="http://schemas.openxmlformats.org/officeDocument/2006/relationships" xmlns:mc="http://schemas.openxmlformats.org/markup-compatibility/2006" xmlns:mv="urn:schemas-microsoft-com:mac:vml" xmlns:p="http://schemas.openxmlformats.org/presentationml/2006/main" xmlns:c="http://schemas.openxmlformats.org/drawingml/2006/chart" xmlns:dgm="http://schemas.openxmlformats.org/drawingml/2006/diagram" xmlns:o="urn:schemas-microsoft-com:office:office" xmlns:v="urn:schemas-microsoft-com:vml" xmlns:pvml="urn:schemas-microsoft-com:office:powerpoint" xmlns:com="http://schemas.openxmlformats.org/drawingml/2006/compatibility" xmlns:p14="http://schemas.microsoft.com/office/powerpoint/2010/main" xmlns:p15="http://schemas.microsoft.com/office/powerpoint/2012/main" xmlns:ahyp="http://schemas.microsoft.com/office/drawing/2018/hyperlinkcolor" showMasterPhAnim="0" showMasterSp="0">
+  <p:cSld>
+    <p:spTree>
+      <p:nvGrpSpPr>
+        <p:cNvPr id="228" name="Shape 228"/>
+        <p:cNvGrpSpPr/>
+        <p:nvPr/>
+      </p:nvGrpSpPr>
+      <p:grpSpPr>
+        <a:xfrm>
+          <a:off x="0" y="0"/>
+          <a:ext cx="0" cy="0"/>
+          <a:chOff x="0" y="0"/>
+          <a:chExt cx="0" cy="0"/>
+        </a:xfrm>
+      </p:grpSpPr>
+      <p:sp>
+        <p:nvSpPr>
+          <p:cNvPr id="229" name="Google Shape;229;g2ebaabe033b_0_16:notes"/>
+          <p:cNvSpPr txBox="1"/>
+          <p:nvPr>
+            <p:ph idx="1" type="body"/>
+          </p:nvPr>
+        </p:nvSpPr>
+        <p:spPr>
+          <a:xfrm>
+            <a:off x="685800" y="4343400"/>
+            <a:ext cx="5486400" cy="4114800"/>
+          </a:xfrm>
+          <a:prstGeom prst="rect">
+            <a:avLst/>
+          </a:prstGeom>
+        </p:spPr>
+        <p:txBody>
+          <a:bodyPr anchorCtr="0" anchor="t" bIns="91425" lIns="91425" spcFirstLastPara="1" rIns="91425" wrap="square" tIns="91425">
+            <a:noAutofit/>
+          </a:bodyPr>
+          <a:lstStyle/>
+          <a:p>
+            <a:pPr indent="0" lvl="0" marL="0" rtl="0" algn="l">
+              <a:spcBef>
+                <a:spcPts val="0"/>
+              </a:spcBef>
+              <a:spcAft>
+                <a:spcPts val="0"/>
+              </a:spcAft>
+              <a:buNone/>
+            </a:pPr>
+            <a:r>
+              <a:t/>
+            </a:r>
+            <a:endParaRPr/>
+          </a:p>
+        </p:txBody>
+      </p:sp>
+      <p:sp>
+        <p:nvSpPr>
+          <p:cNvPr id="230" name="Google Shape;230;g2ebaabe033b_0_16:notes"/>
+          <p:cNvSpPr/>
+          <p:nvPr>
+            <p:ph idx="2" type="sldImg"/>
+          </p:nvPr>
+        </p:nvSpPr>
+        <p:spPr>
+          <a:xfrm>
+            <a:off x="1143225" y="685800"/>
+            <a:ext cx="4572300" cy="3429000"/>
+          </a:xfrm>
+          <a:custGeom>
+            <a:rect b="b" l="l" r="r" t="t"/>
+            <a:pathLst>
+              <a:path extrusionOk="0" h="120000" w="120000">
+                <a:moveTo>
+                  <a:pt x="0" y="0"/>
+                </a:moveTo>
+                <a:lnTo>
+                  <a:pt x="120000" y="0"/>
+                </a:lnTo>
+                <a:lnTo>
+                  <a:pt x="120000" y="120000"/>
+                </a:lnTo>
+                <a:lnTo>
+                  <a:pt x="0" y="120000"/>
+                </a:lnTo>
+                <a:close/>
+              </a:path>
+            </a:pathLst>
+          </a:custGeom>
+        </p:spPr>
+      </p:sp>
+    </p:spTree>
+  </p:cSld>
+  <p:clrMapOvr>
+    <a:masterClrMapping/>
+  </p:clrMapOvr>
+</p:notes>
+</file>
+
+<file path=ppt/notesSlides/notesSlide19.xml><?xml version="1.0" encoding="utf-8"?>
+<p:notes xmlns:a="http://schemas.openxmlformats.org/drawingml/2006/main" xmlns:r="http://schemas.openxmlformats.org/officeDocument/2006/relationships" xmlns:mc="http://schemas.openxmlformats.org/markup-compatibility/2006" xmlns:mv="urn:schemas-microsoft-com:mac:vml" xmlns:p="http://schemas.openxmlformats.org/presentationml/2006/main" xmlns:c="http://schemas.openxmlformats.org/drawingml/2006/chart" xmlns:dgm="http://schemas.openxmlformats.org/drawingml/2006/diagram" xmlns:o="urn:schemas-microsoft-com:office:office" xmlns:v="urn:schemas-microsoft-com:vml" xmlns:pvml="urn:schemas-microsoft-com:office:powerpoint" xmlns:com="http://schemas.openxmlformats.org/drawingml/2006/compatibility" xmlns:p14="http://schemas.microsoft.com/office/powerpoint/2010/main" xmlns:p15="http://schemas.microsoft.com/office/powerpoint/2012/main" xmlns:ahyp="http://schemas.microsoft.com/office/drawing/2018/hyperlinkcolor" showMasterPhAnim="0" showMasterSp="0">
+  <p:cSld>
+    <p:spTree>
+      <p:nvGrpSpPr>
+        <p:cNvPr id="233" name="Shape 233"/>
+        <p:cNvGrpSpPr/>
+        <p:nvPr/>
+      </p:nvGrpSpPr>
+      <p:grpSpPr>
+        <a:xfrm>
+          <a:off x="0" y="0"/>
+          <a:ext cx="0" cy="0"/>
+          <a:chOff x="0" y="0"/>
+          <a:chExt cx="0" cy="0"/>
+        </a:xfrm>
+      </p:grpSpPr>
+      <p:sp>
+        <p:nvSpPr>
+          <p:cNvPr id="234" name="Google Shape;234;g2ebaabe033b_0_20:notes"/>
+          <p:cNvSpPr txBox="1"/>
+          <p:nvPr>
+            <p:ph idx="1" type="body"/>
+          </p:nvPr>
+        </p:nvSpPr>
+        <p:spPr>
+          <a:xfrm>
+            <a:off x="685800" y="4343400"/>
+            <a:ext cx="5486400" cy="4114800"/>
+          </a:xfrm>
+          <a:prstGeom prst="rect">
+            <a:avLst/>
+          </a:prstGeom>
+        </p:spPr>
+        <p:txBody>
+          <a:bodyPr anchorCtr="0" anchor="t" bIns="91425" lIns="91425" spcFirstLastPara="1" rIns="91425" wrap="square" tIns="91425">
+            <a:noAutofit/>
+          </a:bodyPr>
+          <a:lstStyle/>
+          <a:p>
+            <a:pPr indent="0" lvl="0" marL="0" rtl="0" algn="l">
+              <a:spcBef>
+                <a:spcPts val="0"/>
+              </a:spcBef>
+              <a:spcAft>
+                <a:spcPts val="0"/>
+              </a:spcAft>
+              <a:buNone/>
+            </a:pPr>
+            <a:r>
+              <a:t/>
+            </a:r>
+            <a:endParaRPr/>
+          </a:p>
+        </p:txBody>
+      </p:sp>
+      <p:sp>
+        <p:nvSpPr>
+          <p:cNvPr id="235" name="Google Shape;235;g2ebaabe033b_0_20:notes"/>
+          <p:cNvSpPr/>
+          <p:nvPr>
+            <p:ph idx="2" type="sldImg"/>
+          </p:nvPr>
+        </p:nvSpPr>
+        <p:spPr>
+          <a:xfrm>
+            <a:off x="1143225" y="685800"/>
+            <a:ext cx="4572300" cy="3429000"/>
+          </a:xfrm>
+          <a:custGeom>
+            <a:rect b="b" l="l" r="r" t="t"/>
+            <a:pathLst>
+              <a:path extrusionOk="0" h="120000" w="120000">
+                <a:moveTo>
+                  <a:pt x="0" y="0"/>
+                </a:moveTo>
+                <a:lnTo>
+                  <a:pt x="120000" y="0"/>
+                </a:lnTo>
+                <a:lnTo>
+                  <a:pt x="120000" y="120000"/>
+                </a:lnTo>
+                <a:lnTo>
+                  <a:pt x="0" y="120000"/>
+                </a:lnTo>
+                <a:close/>
+              </a:path>
+            </a:pathLst>
+          </a:custGeom>
+        </p:spPr>
       </p:sp>
     </p:spTree>
   </p:cSld>
@@ -13650,6 +14150,1126 @@
 </p:sld>
 </file>
 
+<file path=ppt/slides/slide15.xml><?xml version="1.0" encoding="utf-8"?>
+<p:sld xmlns:a="http://schemas.openxmlformats.org/drawingml/2006/main" xmlns:r="http://schemas.openxmlformats.org/officeDocument/2006/relationships" xmlns:mc="http://schemas.openxmlformats.org/markup-compatibility/2006" xmlns:mv="urn:schemas-microsoft-com:mac:vml" xmlns:p="http://schemas.openxmlformats.org/presentationml/2006/main" xmlns:c="http://schemas.openxmlformats.org/drawingml/2006/chart" xmlns:dgm="http://schemas.openxmlformats.org/drawingml/2006/diagram" xmlns:o="urn:schemas-microsoft-com:office:office" xmlns:v="urn:schemas-microsoft-com:vml" xmlns:pvml="urn:schemas-microsoft-com:office:powerpoint" xmlns:com="http://schemas.openxmlformats.org/drawingml/2006/compatibility" xmlns:p14="http://schemas.microsoft.com/office/powerpoint/2010/main" xmlns:p15="http://schemas.microsoft.com/office/powerpoint/2012/main" xmlns:ahyp="http://schemas.microsoft.com/office/drawing/2018/hyperlinkcolor">
+  <p:cSld>
+    <p:spTree>
+      <p:nvGrpSpPr>
+        <p:cNvPr id="213" name="Shape 213"/>
+        <p:cNvGrpSpPr/>
+        <p:nvPr/>
+      </p:nvGrpSpPr>
+      <p:grpSpPr>
+        <a:xfrm>
+          <a:off x="0" y="0"/>
+          <a:ext cx="0" cy="0"/>
+          <a:chOff x="0" y="0"/>
+          <a:chExt cx="0" cy="0"/>
+        </a:xfrm>
+      </p:grpSpPr>
+      <p:sp>
+        <p:nvSpPr>
+          <p:cNvPr id="214" name="Google Shape;214;g2ebaabe033b_0_0"/>
+          <p:cNvSpPr txBox="1"/>
+          <p:nvPr>
+            <p:ph type="title"/>
+          </p:nvPr>
+        </p:nvSpPr>
+        <p:spPr>
+          <a:xfrm>
+            <a:off x="838200" y="2766218"/>
+            <a:ext cx="10515600" cy="1325700"/>
+          </a:xfrm>
+          <a:prstGeom prst="rect">
+            <a:avLst/>
+          </a:prstGeom>
+          <a:noFill/>
+          <a:ln>
+            <a:noFill/>
+          </a:ln>
+        </p:spPr>
+        <p:txBody>
+          <a:bodyPr anchorCtr="0" anchor="ctr" bIns="45700" lIns="91425" spcFirstLastPara="1" rIns="91425" wrap="square" tIns="45700">
+            <a:noAutofit/>
+          </a:bodyPr>
+          <a:lstStyle/>
+          <a:p>
+            <a:pPr indent="0" lvl="0" marL="0" rtl="0" algn="ctr">
+              <a:lnSpc>
+                <a:spcPct val="90000"/>
+              </a:lnSpc>
+              <a:spcBef>
+                <a:spcPts val="0"/>
+              </a:spcBef>
+              <a:spcAft>
+                <a:spcPts val="0"/>
+              </a:spcAft>
+              <a:buClr>
+                <a:schemeClr val="dk1"/>
+              </a:buClr>
+              <a:buSzPts val="4000"/>
+              <a:buFont typeface="Times New Roman"/>
+              <a:buNone/>
+            </a:pPr>
+            <a:r>
+              <a:rPr i="1" lang="en-US" sz="4000">
+                <a:latin typeface="Times New Roman"/>
+                <a:ea typeface="Times New Roman"/>
+                <a:cs typeface="Times New Roman"/>
+                <a:sym typeface="Times New Roman"/>
+              </a:rPr>
+              <a:t>Deep Learning Approach to Photometric Redshift Estimation</a:t>
+            </a:r>
+            <a:endParaRPr/>
+          </a:p>
+        </p:txBody>
+      </p:sp>
+    </p:spTree>
+  </p:cSld>
+  <p:clrMapOvr>
+    <a:masterClrMapping/>
+  </p:clrMapOvr>
+</p:sld>
+</file>
+
+<file path=ppt/slides/slide16.xml><?xml version="1.0" encoding="utf-8"?>
+<p:sld xmlns:a="http://schemas.openxmlformats.org/drawingml/2006/main" xmlns:r="http://schemas.openxmlformats.org/officeDocument/2006/relationships" xmlns:mc="http://schemas.openxmlformats.org/markup-compatibility/2006" xmlns:mv="urn:schemas-microsoft-com:mac:vml" xmlns:p="http://schemas.openxmlformats.org/presentationml/2006/main" xmlns:c="http://schemas.openxmlformats.org/drawingml/2006/chart" xmlns:dgm="http://schemas.openxmlformats.org/drawingml/2006/diagram" xmlns:o="urn:schemas-microsoft-com:office:office" xmlns:v="urn:schemas-microsoft-com:vml" xmlns:pvml="urn:schemas-microsoft-com:office:powerpoint" xmlns:com="http://schemas.openxmlformats.org/drawingml/2006/compatibility" xmlns:p14="http://schemas.microsoft.com/office/powerpoint/2010/main" xmlns:p15="http://schemas.microsoft.com/office/powerpoint/2012/main" xmlns:ahyp="http://schemas.microsoft.com/office/drawing/2018/hyperlinkcolor">
+  <p:cSld>
+    <p:spTree>
+      <p:nvGrpSpPr>
+        <p:cNvPr id="218" name="Shape 218"/>
+        <p:cNvGrpSpPr/>
+        <p:nvPr/>
+      </p:nvGrpSpPr>
+      <p:grpSpPr>
+        <a:xfrm>
+          <a:off x="0" y="0"/>
+          <a:ext cx="0" cy="0"/>
+          <a:chOff x="0" y="0"/>
+          <a:chExt cx="0" cy="0"/>
+        </a:xfrm>
+      </p:grpSpPr>
+      <p:sp>
+        <p:nvSpPr>
+          <p:cNvPr id="219" name="Google Shape;219;g2ebaabe033b_0_4"/>
+          <p:cNvSpPr txBox="1"/>
+          <p:nvPr>
+            <p:ph type="title"/>
+          </p:nvPr>
+        </p:nvSpPr>
+        <p:spPr>
+          <a:xfrm>
+            <a:off x="2615400" y="0"/>
+            <a:ext cx="6961200" cy="878100"/>
+          </a:xfrm>
+          <a:prstGeom prst="rect">
+            <a:avLst/>
+          </a:prstGeom>
+        </p:spPr>
+        <p:txBody>
+          <a:bodyPr anchorCtr="0" anchor="ctr" bIns="45700" lIns="91425" spcFirstLastPara="1" rIns="91425" wrap="square" tIns="45700">
+            <a:normAutofit/>
+          </a:bodyPr>
+          <a:lstStyle/>
+          <a:p>
+            <a:pPr indent="0" lvl="0" marL="0" rtl="0" algn="ctr">
+              <a:spcBef>
+                <a:spcPts val="0"/>
+              </a:spcBef>
+              <a:spcAft>
+                <a:spcPts val="0"/>
+              </a:spcAft>
+              <a:buNone/>
+            </a:pPr>
+            <a:r>
+              <a:rPr b="1" lang="en-US" sz="2400">
+                <a:latin typeface="Times New Roman"/>
+                <a:ea typeface="Times New Roman"/>
+                <a:cs typeface="Times New Roman"/>
+                <a:sym typeface="Times New Roman"/>
+              </a:rPr>
+              <a:t>Decision Tree Regressor</a:t>
+            </a:r>
+            <a:endParaRPr b="1" sz="2400">
+              <a:latin typeface="Times New Roman"/>
+              <a:ea typeface="Times New Roman"/>
+              <a:cs typeface="Times New Roman"/>
+              <a:sym typeface="Times New Roman"/>
+            </a:endParaRPr>
+          </a:p>
+        </p:txBody>
+      </p:sp>
+      <p:sp>
+        <p:nvSpPr>
+          <p:cNvPr id="220" name="Google Shape;220;g2ebaabe033b_0_4"/>
+          <p:cNvSpPr txBox="1"/>
+          <p:nvPr/>
+        </p:nvSpPr>
+        <p:spPr>
+          <a:xfrm>
+            <a:off x="3185250" y="1869600"/>
+            <a:ext cx="5821500" cy="3118800"/>
+          </a:xfrm>
+          <a:prstGeom prst="rect">
+            <a:avLst/>
+          </a:prstGeom>
+          <a:noFill/>
+          <a:ln>
+            <a:noFill/>
+          </a:ln>
+        </p:spPr>
+        <p:txBody>
+          <a:bodyPr anchorCtr="0" anchor="t" bIns="91425" lIns="91425" spcFirstLastPara="1" rIns="91425" wrap="square" tIns="91425">
+            <a:noAutofit/>
+          </a:bodyPr>
+          <a:lstStyle/>
+          <a:p>
+            <a:pPr indent="-406400" lvl="0" marL="457200" rtl="0" algn="l">
+              <a:spcBef>
+                <a:spcPts val="0"/>
+              </a:spcBef>
+              <a:spcAft>
+                <a:spcPts val="0"/>
+              </a:spcAft>
+              <a:buClr>
+                <a:schemeClr val="dk1"/>
+              </a:buClr>
+              <a:buSzPts val="2800"/>
+              <a:buFont typeface="Times New Roman"/>
+              <a:buChar char="-"/>
+            </a:pPr>
+            <a:r>
+              <a:rPr lang="en-US" sz="2800">
+                <a:solidFill>
+                  <a:schemeClr val="dk1"/>
+                </a:solidFill>
+                <a:latin typeface="Times New Roman"/>
+                <a:ea typeface="Times New Roman"/>
+                <a:cs typeface="Times New Roman"/>
+                <a:sym typeface="Times New Roman"/>
+              </a:rPr>
+              <a:t>decision tree regressor </a:t>
+            </a:r>
+            <a:endParaRPr sz="2800">
+              <a:solidFill>
+                <a:schemeClr val="dk1"/>
+              </a:solidFill>
+              <a:latin typeface="Times New Roman"/>
+              <a:ea typeface="Times New Roman"/>
+              <a:cs typeface="Times New Roman"/>
+              <a:sym typeface="Times New Roman"/>
+            </a:endParaRPr>
+          </a:p>
+          <a:p>
+            <a:pPr indent="-406400" lvl="0" marL="457200" rtl="0" algn="l">
+              <a:spcBef>
+                <a:spcPts val="0"/>
+              </a:spcBef>
+              <a:spcAft>
+                <a:spcPts val="0"/>
+              </a:spcAft>
+              <a:buClr>
+                <a:schemeClr val="dk1"/>
+              </a:buClr>
+              <a:buSzPts val="2800"/>
+              <a:buFont typeface="Times New Roman"/>
+              <a:buChar char="-"/>
+            </a:pPr>
+            <a:r>
+              <a:rPr lang="en-US" sz="2800">
+                <a:solidFill>
+                  <a:schemeClr val="dk1"/>
+                </a:solidFill>
+                <a:latin typeface="Times New Roman"/>
+                <a:ea typeface="Times New Roman"/>
+                <a:cs typeface="Times New Roman"/>
+                <a:sym typeface="Times New Roman"/>
+              </a:rPr>
+              <a:t>5 bandpass filters (</a:t>
+            </a:r>
+            <a:r>
+              <a:rPr i="1" lang="en-US" sz="2800">
+                <a:solidFill>
+                  <a:schemeClr val="dk1"/>
+                </a:solidFill>
+                <a:latin typeface="Times New Roman"/>
+                <a:ea typeface="Times New Roman"/>
+                <a:cs typeface="Times New Roman"/>
+                <a:sym typeface="Times New Roman"/>
+              </a:rPr>
+              <a:t>u, g, r, i, z</a:t>
+            </a:r>
+            <a:r>
+              <a:rPr lang="en-US" sz="2800">
+                <a:solidFill>
+                  <a:schemeClr val="dk1"/>
+                </a:solidFill>
+                <a:latin typeface="Times New Roman"/>
+                <a:ea typeface="Times New Roman"/>
+                <a:cs typeface="Times New Roman"/>
+                <a:sym typeface="Times New Roman"/>
+              </a:rPr>
+              <a:t>)</a:t>
+            </a:r>
+            <a:r>
+              <a:rPr i="1" lang="en-US" sz="2800">
+                <a:solidFill>
+                  <a:schemeClr val="dk1"/>
+                </a:solidFill>
+                <a:latin typeface="Times New Roman"/>
+                <a:ea typeface="Times New Roman"/>
+                <a:cs typeface="Times New Roman"/>
+                <a:sym typeface="Times New Roman"/>
+              </a:rPr>
+              <a:t> as features</a:t>
+            </a:r>
+            <a:endParaRPr i="1" sz="2800">
+              <a:solidFill>
+                <a:schemeClr val="dk1"/>
+              </a:solidFill>
+              <a:latin typeface="Times New Roman"/>
+              <a:ea typeface="Times New Roman"/>
+              <a:cs typeface="Times New Roman"/>
+              <a:sym typeface="Times New Roman"/>
+            </a:endParaRPr>
+          </a:p>
+          <a:p>
+            <a:pPr indent="-406400" lvl="0" marL="457200" rtl="0" algn="l">
+              <a:spcBef>
+                <a:spcPts val="0"/>
+              </a:spcBef>
+              <a:spcAft>
+                <a:spcPts val="0"/>
+              </a:spcAft>
+              <a:buClr>
+                <a:schemeClr val="dk1"/>
+              </a:buClr>
+              <a:buSzPts val="2800"/>
+              <a:buFont typeface="Times New Roman"/>
+              <a:buChar char="-"/>
+            </a:pPr>
+            <a:r>
+              <a:rPr lang="en-US" sz="2800">
+                <a:solidFill>
+                  <a:schemeClr val="dk1"/>
+                </a:solidFill>
+                <a:latin typeface="Times New Roman"/>
+                <a:ea typeface="Times New Roman"/>
+                <a:cs typeface="Times New Roman"/>
+                <a:sym typeface="Times New Roman"/>
+              </a:rPr>
+              <a:t>each leaf predicts average redshift</a:t>
+            </a:r>
+            <a:endParaRPr sz="2800">
+              <a:solidFill>
+                <a:schemeClr val="dk1"/>
+              </a:solidFill>
+              <a:latin typeface="Times New Roman"/>
+              <a:ea typeface="Times New Roman"/>
+              <a:cs typeface="Times New Roman"/>
+              <a:sym typeface="Times New Roman"/>
+            </a:endParaRPr>
+          </a:p>
+        </p:txBody>
+      </p:sp>
+    </p:spTree>
+  </p:cSld>
+  <p:clrMapOvr>
+    <a:masterClrMapping/>
+  </p:clrMapOvr>
+</p:sld>
+</file>
+
+<file path=ppt/slides/slide17.xml><?xml version="1.0" encoding="utf-8"?>
+<p:sld xmlns:a="http://schemas.openxmlformats.org/drawingml/2006/main" xmlns:r="http://schemas.openxmlformats.org/officeDocument/2006/relationships" xmlns:mc="http://schemas.openxmlformats.org/markup-compatibility/2006" xmlns:mv="urn:schemas-microsoft-com:mac:vml" xmlns:p="http://schemas.openxmlformats.org/presentationml/2006/main" xmlns:c="http://schemas.openxmlformats.org/drawingml/2006/chart" xmlns:dgm="http://schemas.openxmlformats.org/drawingml/2006/diagram" xmlns:o="urn:schemas-microsoft-com:office:office" xmlns:v="urn:schemas-microsoft-com:vml" xmlns:pvml="urn:schemas-microsoft-com:office:powerpoint" xmlns:com="http://schemas.openxmlformats.org/drawingml/2006/compatibility" xmlns:p14="http://schemas.microsoft.com/office/powerpoint/2010/main" xmlns:p15="http://schemas.microsoft.com/office/powerpoint/2012/main" xmlns:ahyp="http://schemas.microsoft.com/office/drawing/2018/hyperlinkcolor">
+  <p:cSld>
+    <p:spTree>
+      <p:nvGrpSpPr>
+        <p:cNvPr id="224" name="Shape 224"/>
+        <p:cNvGrpSpPr/>
+        <p:nvPr/>
+      </p:nvGrpSpPr>
+      <p:grpSpPr>
+        <a:xfrm>
+          <a:off x="0" y="0"/>
+          <a:ext cx="0" cy="0"/>
+          <a:chOff x="0" y="0"/>
+          <a:chExt cx="0" cy="0"/>
+        </a:xfrm>
+      </p:grpSpPr>
+      <p:sp>
+        <p:nvSpPr>
+          <p:cNvPr id="225" name="Google Shape;225;g2ebaabe033b_0_10"/>
+          <p:cNvSpPr txBox="1"/>
+          <p:nvPr>
+            <p:ph type="title"/>
+          </p:nvPr>
+        </p:nvSpPr>
+        <p:spPr>
+          <a:xfrm>
+            <a:off x="2615400" y="0"/>
+            <a:ext cx="6961200" cy="878100"/>
+          </a:xfrm>
+          <a:prstGeom prst="rect">
+            <a:avLst/>
+          </a:prstGeom>
+        </p:spPr>
+        <p:txBody>
+          <a:bodyPr anchorCtr="0" anchor="ctr" bIns="45700" lIns="91425" spcFirstLastPara="1" rIns="91425" wrap="square" tIns="45700">
+            <a:normAutofit/>
+          </a:bodyPr>
+          <a:lstStyle/>
+          <a:p>
+            <a:pPr indent="0" lvl="0" marL="0" rtl="0" algn="ctr">
+              <a:spcBef>
+                <a:spcPts val="0"/>
+              </a:spcBef>
+              <a:spcAft>
+                <a:spcPts val="0"/>
+              </a:spcAft>
+              <a:buNone/>
+            </a:pPr>
+            <a:r>
+              <a:rPr b="1" lang="en-US" sz="2400">
+                <a:latin typeface="Times New Roman"/>
+                <a:ea typeface="Times New Roman"/>
+                <a:cs typeface="Times New Roman"/>
+                <a:sym typeface="Times New Roman"/>
+              </a:rPr>
+              <a:t>Fully Connected Neural Network</a:t>
+            </a:r>
+            <a:endParaRPr b="1" sz="2400">
+              <a:latin typeface="Times New Roman"/>
+              <a:ea typeface="Times New Roman"/>
+              <a:cs typeface="Times New Roman"/>
+              <a:sym typeface="Times New Roman"/>
+            </a:endParaRPr>
+          </a:p>
+        </p:txBody>
+      </p:sp>
+      <p:sp>
+        <p:nvSpPr>
+          <p:cNvPr id="226" name="Google Shape;226;g2ebaabe033b_0_10"/>
+          <p:cNvSpPr txBox="1"/>
+          <p:nvPr/>
+        </p:nvSpPr>
+        <p:spPr>
+          <a:xfrm>
+            <a:off x="5962900" y="1869600"/>
+            <a:ext cx="5821500" cy="3118800"/>
+          </a:xfrm>
+          <a:prstGeom prst="rect">
+            <a:avLst/>
+          </a:prstGeom>
+          <a:noFill/>
+          <a:ln>
+            <a:noFill/>
+          </a:ln>
+        </p:spPr>
+        <p:txBody>
+          <a:bodyPr anchorCtr="0" anchor="t" bIns="91425" lIns="91425" spcFirstLastPara="1" rIns="91425" wrap="square" tIns="91425">
+            <a:noAutofit/>
+          </a:bodyPr>
+          <a:lstStyle/>
+          <a:p>
+            <a:pPr indent="-406400" lvl="0" marL="457200" rtl="0" algn="l">
+              <a:spcBef>
+                <a:spcPts val="0"/>
+              </a:spcBef>
+              <a:spcAft>
+                <a:spcPts val="0"/>
+              </a:spcAft>
+              <a:buClr>
+                <a:schemeClr val="dk1"/>
+              </a:buClr>
+              <a:buSzPts val="2800"/>
+              <a:buFont typeface="Times New Roman"/>
+              <a:buChar char="-"/>
+            </a:pPr>
+            <a:r>
+              <a:rPr lang="en-US" sz="2800">
+                <a:solidFill>
+                  <a:schemeClr val="dk1"/>
+                </a:solidFill>
+                <a:latin typeface="Times New Roman"/>
+                <a:ea typeface="Times New Roman"/>
+                <a:cs typeface="Times New Roman"/>
+                <a:sym typeface="Times New Roman"/>
+              </a:rPr>
+              <a:t>9 inputs</a:t>
+            </a:r>
+            <a:endParaRPr sz="2800">
+              <a:solidFill>
+                <a:schemeClr val="dk1"/>
+              </a:solidFill>
+              <a:latin typeface="Times New Roman"/>
+              <a:ea typeface="Times New Roman"/>
+              <a:cs typeface="Times New Roman"/>
+              <a:sym typeface="Times New Roman"/>
+            </a:endParaRPr>
+          </a:p>
+          <a:p>
+            <a:pPr indent="-406400" lvl="1" marL="914400" rtl="0" algn="l">
+              <a:spcBef>
+                <a:spcPts val="0"/>
+              </a:spcBef>
+              <a:spcAft>
+                <a:spcPts val="0"/>
+              </a:spcAft>
+              <a:buClr>
+                <a:schemeClr val="dk1"/>
+              </a:buClr>
+              <a:buSzPts val="2800"/>
+              <a:buFont typeface="Times New Roman"/>
+              <a:buChar char="-"/>
+            </a:pPr>
+            <a:r>
+              <a:rPr lang="en-US" sz="2800">
+                <a:solidFill>
+                  <a:schemeClr val="dk1"/>
+                </a:solidFill>
+                <a:latin typeface="Times New Roman"/>
+                <a:ea typeface="Times New Roman"/>
+                <a:cs typeface="Times New Roman"/>
+                <a:sym typeface="Times New Roman"/>
+              </a:rPr>
+              <a:t>magnitudes of band passes and differences</a:t>
+            </a:r>
+            <a:endParaRPr sz="2800">
+              <a:solidFill>
+                <a:schemeClr val="dk1"/>
+              </a:solidFill>
+              <a:latin typeface="Times New Roman"/>
+              <a:ea typeface="Times New Roman"/>
+              <a:cs typeface="Times New Roman"/>
+              <a:sym typeface="Times New Roman"/>
+            </a:endParaRPr>
+          </a:p>
+          <a:p>
+            <a:pPr indent="-406400" lvl="0" marL="457200" rtl="0" algn="l">
+              <a:spcBef>
+                <a:spcPts val="0"/>
+              </a:spcBef>
+              <a:spcAft>
+                <a:spcPts val="0"/>
+              </a:spcAft>
+              <a:buClr>
+                <a:schemeClr val="dk1"/>
+              </a:buClr>
+              <a:buSzPts val="2800"/>
+              <a:buFont typeface="Times New Roman"/>
+              <a:buChar char="-"/>
+            </a:pPr>
+            <a:r>
+              <a:rPr lang="en-US" sz="2800">
+                <a:solidFill>
+                  <a:schemeClr val="dk1"/>
+                </a:solidFill>
+                <a:latin typeface="Times New Roman"/>
+                <a:ea typeface="Times New Roman"/>
+                <a:cs typeface="Times New Roman"/>
+                <a:sym typeface="Times New Roman"/>
+              </a:rPr>
+              <a:t>output </a:t>
+            </a:r>
+            <a:r>
+              <a:rPr lang="en-US" sz="2800">
+                <a:solidFill>
+                  <a:schemeClr val="dk1"/>
+                </a:solidFill>
+                <a:latin typeface="Times New Roman"/>
+                <a:ea typeface="Times New Roman"/>
+                <a:cs typeface="Times New Roman"/>
+                <a:sym typeface="Times New Roman"/>
+              </a:rPr>
+              <a:t>shape</a:t>
+            </a:r>
+            <a:r>
+              <a:rPr lang="en-US" sz="2800">
+                <a:solidFill>
+                  <a:schemeClr val="dk1"/>
+                </a:solidFill>
+                <a:latin typeface="Times New Roman"/>
+                <a:ea typeface="Times New Roman"/>
+                <a:cs typeface="Times New Roman"/>
+                <a:sym typeface="Times New Roman"/>
+              </a:rPr>
+              <a:t> of 100</a:t>
+            </a:r>
+            <a:endParaRPr sz="2800">
+              <a:solidFill>
+                <a:schemeClr val="dk1"/>
+              </a:solidFill>
+              <a:latin typeface="Times New Roman"/>
+              <a:ea typeface="Times New Roman"/>
+              <a:cs typeface="Times New Roman"/>
+              <a:sym typeface="Times New Roman"/>
+            </a:endParaRPr>
+          </a:p>
+          <a:p>
+            <a:pPr indent="-406400" lvl="0" marL="457200" rtl="0" algn="l">
+              <a:spcBef>
+                <a:spcPts val="0"/>
+              </a:spcBef>
+              <a:spcAft>
+                <a:spcPts val="0"/>
+              </a:spcAft>
+              <a:buClr>
+                <a:schemeClr val="dk1"/>
+              </a:buClr>
+              <a:buSzPts val="2800"/>
+              <a:buFont typeface="Times New Roman"/>
+              <a:buChar char="-"/>
+            </a:pPr>
+            <a:r>
+              <a:rPr lang="en-US" sz="2800">
+                <a:solidFill>
+                  <a:schemeClr val="dk1"/>
+                </a:solidFill>
+                <a:latin typeface="Times New Roman"/>
+                <a:ea typeface="Times New Roman"/>
+                <a:cs typeface="Times New Roman"/>
+                <a:sym typeface="Times New Roman"/>
+              </a:rPr>
+              <a:t>RELU </a:t>
+            </a:r>
+            <a:r>
+              <a:rPr lang="en-US" sz="2800">
+                <a:solidFill>
+                  <a:schemeClr val="dk1"/>
+                </a:solidFill>
+                <a:latin typeface="Times New Roman"/>
+                <a:ea typeface="Times New Roman"/>
+                <a:cs typeface="Times New Roman"/>
+                <a:sym typeface="Times New Roman"/>
+              </a:rPr>
+              <a:t>activation</a:t>
+            </a:r>
+            <a:r>
+              <a:rPr lang="en-US" sz="2800">
+                <a:solidFill>
+                  <a:schemeClr val="dk1"/>
+                </a:solidFill>
+                <a:latin typeface="Times New Roman"/>
+                <a:ea typeface="Times New Roman"/>
+                <a:cs typeface="Times New Roman"/>
+                <a:sym typeface="Times New Roman"/>
+              </a:rPr>
+              <a:t> function</a:t>
+            </a:r>
+            <a:endParaRPr sz="2800">
+              <a:solidFill>
+                <a:schemeClr val="dk1"/>
+              </a:solidFill>
+              <a:latin typeface="Times New Roman"/>
+              <a:ea typeface="Times New Roman"/>
+              <a:cs typeface="Times New Roman"/>
+              <a:sym typeface="Times New Roman"/>
+            </a:endParaRPr>
+          </a:p>
+          <a:p>
+            <a:pPr indent="-406400" lvl="0" marL="457200" rtl="0" algn="l">
+              <a:spcBef>
+                <a:spcPts val="0"/>
+              </a:spcBef>
+              <a:spcAft>
+                <a:spcPts val="0"/>
+              </a:spcAft>
+              <a:buClr>
+                <a:schemeClr val="dk1"/>
+              </a:buClr>
+              <a:buSzPts val="2800"/>
+              <a:buFont typeface="Times New Roman"/>
+              <a:buChar char="-"/>
+            </a:pPr>
+            <a:r>
+              <a:rPr lang="en-US" sz="2800">
+                <a:solidFill>
+                  <a:schemeClr val="dk1"/>
+                </a:solidFill>
+                <a:latin typeface="Times New Roman"/>
+                <a:ea typeface="Times New Roman"/>
+                <a:cs typeface="Times New Roman"/>
+                <a:sym typeface="Times New Roman"/>
+              </a:rPr>
+              <a:t>dropout rate of 0.2</a:t>
+            </a:r>
+            <a:endParaRPr sz="2800">
+              <a:solidFill>
+                <a:schemeClr val="dk1"/>
+              </a:solidFill>
+              <a:latin typeface="Times New Roman"/>
+              <a:ea typeface="Times New Roman"/>
+              <a:cs typeface="Times New Roman"/>
+              <a:sym typeface="Times New Roman"/>
+            </a:endParaRPr>
+          </a:p>
+          <a:p>
+            <a:pPr indent="-406400" lvl="0" marL="457200" rtl="0" algn="l">
+              <a:spcBef>
+                <a:spcPts val="0"/>
+              </a:spcBef>
+              <a:spcAft>
+                <a:spcPts val="0"/>
+              </a:spcAft>
+              <a:buClr>
+                <a:schemeClr val="dk1"/>
+              </a:buClr>
+              <a:buSzPts val="2800"/>
+              <a:buFont typeface="Times New Roman"/>
+              <a:buChar char="-"/>
+            </a:pPr>
+            <a:r>
+              <a:rPr lang="en-US" sz="2800">
+                <a:solidFill>
+                  <a:schemeClr val="dk1"/>
+                </a:solidFill>
+                <a:latin typeface="Times New Roman"/>
+                <a:ea typeface="Times New Roman"/>
+                <a:cs typeface="Times New Roman"/>
+                <a:sym typeface="Times New Roman"/>
+              </a:rPr>
+              <a:t>minimized used MSE</a:t>
+            </a:r>
+            <a:endParaRPr sz="2800">
+              <a:solidFill>
+                <a:schemeClr val="dk1"/>
+              </a:solidFill>
+              <a:latin typeface="Times New Roman"/>
+              <a:ea typeface="Times New Roman"/>
+              <a:cs typeface="Times New Roman"/>
+              <a:sym typeface="Times New Roman"/>
+            </a:endParaRPr>
+          </a:p>
+        </p:txBody>
+      </p:sp>
+      <p:pic>
+        <p:nvPicPr>
+          <p:cNvPr id="227" name="Google Shape;227;g2ebaabe033b_0_10"/>
+          <p:cNvPicPr preferRelativeResize="0"/>
+          <p:nvPr/>
+        </p:nvPicPr>
+        <p:blipFill>
+          <a:blip r:embed="rId3">
+            <a:alphaModFix/>
+          </a:blip>
+          <a:stretch>
+            <a:fillRect/>
+          </a:stretch>
+        </p:blipFill>
+        <p:spPr>
+          <a:xfrm>
+            <a:off x="772600" y="651300"/>
+            <a:ext cx="4082925" cy="5843425"/>
+          </a:xfrm>
+          <a:prstGeom prst="rect">
+            <a:avLst/>
+          </a:prstGeom>
+          <a:noFill/>
+          <a:ln>
+            <a:noFill/>
+          </a:ln>
+        </p:spPr>
+      </p:pic>
+    </p:spTree>
+  </p:cSld>
+  <p:clrMapOvr>
+    <a:masterClrMapping/>
+  </p:clrMapOvr>
+</p:sld>
+</file>
+
+<file path=ppt/slides/slide18.xml><?xml version="1.0" encoding="utf-8"?>
+<p:sld xmlns:a="http://schemas.openxmlformats.org/drawingml/2006/main" xmlns:r="http://schemas.openxmlformats.org/officeDocument/2006/relationships" xmlns:mc="http://schemas.openxmlformats.org/markup-compatibility/2006" xmlns:mv="urn:schemas-microsoft-com:mac:vml" xmlns:p="http://schemas.openxmlformats.org/presentationml/2006/main" xmlns:c="http://schemas.openxmlformats.org/drawingml/2006/chart" xmlns:dgm="http://schemas.openxmlformats.org/drawingml/2006/diagram" xmlns:o="urn:schemas-microsoft-com:office:office" xmlns:v="urn:schemas-microsoft-com:vml" xmlns:pvml="urn:schemas-microsoft-com:office:powerpoint" xmlns:com="http://schemas.openxmlformats.org/drawingml/2006/compatibility" xmlns:p14="http://schemas.microsoft.com/office/powerpoint/2010/main" xmlns:p15="http://schemas.microsoft.com/office/powerpoint/2012/main" xmlns:ahyp="http://schemas.microsoft.com/office/drawing/2018/hyperlinkcolor">
+  <p:cSld>
+    <p:spTree>
+      <p:nvGrpSpPr>
+        <p:cNvPr id="231" name="Shape 231"/>
+        <p:cNvGrpSpPr/>
+        <p:nvPr/>
+      </p:nvGrpSpPr>
+      <p:grpSpPr>
+        <a:xfrm>
+          <a:off x="0" y="0"/>
+          <a:ext cx="0" cy="0"/>
+          <a:chOff x="0" y="0"/>
+          <a:chExt cx="0" cy="0"/>
+        </a:xfrm>
+      </p:grpSpPr>
+      <p:sp>
+        <p:nvSpPr>
+          <p:cNvPr id="232" name="Google Shape;232;g2ebaabe033b_0_16"/>
+          <p:cNvSpPr txBox="1"/>
+          <p:nvPr>
+            <p:ph type="title"/>
+          </p:nvPr>
+        </p:nvSpPr>
+        <p:spPr>
+          <a:xfrm>
+            <a:off x="838200" y="2766218"/>
+            <a:ext cx="10515600" cy="1325700"/>
+          </a:xfrm>
+          <a:prstGeom prst="rect">
+            <a:avLst/>
+          </a:prstGeom>
+          <a:noFill/>
+          <a:ln>
+            <a:noFill/>
+          </a:ln>
+        </p:spPr>
+        <p:txBody>
+          <a:bodyPr anchorCtr="0" anchor="ctr" bIns="45700" lIns="91425" spcFirstLastPara="1" rIns="91425" wrap="square" tIns="45700">
+            <a:noAutofit/>
+          </a:bodyPr>
+          <a:lstStyle/>
+          <a:p>
+            <a:pPr indent="0" lvl="0" marL="0" rtl="0" algn="ctr">
+              <a:lnSpc>
+                <a:spcPct val="90000"/>
+              </a:lnSpc>
+              <a:spcBef>
+                <a:spcPts val="0"/>
+              </a:spcBef>
+              <a:spcAft>
+                <a:spcPts val="0"/>
+              </a:spcAft>
+              <a:buClr>
+                <a:schemeClr val="dk1"/>
+              </a:buClr>
+              <a:buSzPts val="4000"/>
+              <a:buFont typeface="Times New Roman"/>
+              <a:buNone/>
+            </a:pPr>
+            <a:r>
+              <a:rPr i="1" lang="en-US" sz="4000">
+                <a:latin typeface="Times New Roman"/>
+                <a:ea typeface="Times New Roman"/>
+                <a:cs typeface="Times New Roman"/>
+                <a:sym typeface="Times New Roman"/>
+              </a:rPr>
+              <a:t>Deep learning based detection of cosmological diffuse radio sources</a:t>
+            </a:r>
+            <a:endParaRPr/>
+          </a:p>
+        </p:txBody>
+      </p:sp>
+    </p:spTree>
+  </p:cSld>
+  <p:clrMapOvr>
+    <a:masterClrMapping/>
+  </p:clrMapOvr>
+</p:sld>
+</file>
+
+<file path=ppt/slides/slide19.xml><?xml version="1.0" encoding="utf-8"?>
+<p:sld xmlns:a="http://schemas.openxmlformats.org/drawingml/2006/main" xmlns:r="http://schemas.openxmlformats.org/officeDocument/2006/relationships" xmlns:mc="http://schemas.openxmlformats.org/markup-compatibility/2006" xmlns:mv="urn:schemas-microsoft-com:mac:vml" xmlns:p="http://schemas.openxmlformats.org/presentationml/2006/main" xmlns:c="http://schemas.openxmlformats.org/drawingml/2006/chart" xmlns:dgm="http://schemas.openxmlformats.org/drawingml/2006/diagram" xmlns:o="urn:schemas-microsoft-com:office:office" xmlns:v="urn:schemas-microsoft-com:vml" xmlns:pvml="urn:schemas-microsoft-com:office:powerpoint" xmlns:com="http://schemas.openxmlformats.org/drawingml/2006/compatibility" xmlns:p14="http://schemas.microsoft.com/office/powerpoint/2010/main" xmlns:p15="http://schemas.microsoft.com/office/powerpoint/2012/main" xmlns:ahyp="http://schemas.microsoft.com/office/drawing/2018/hyperlinkcolor">
+  <p:cSld>
+    <p:spTree>
+      <p:nvGrpSpPr>
+        <p:cNvPr id="236" name="Shape 236"/>
+        <p:cNvGrpSpPr/>
+        <p:nvPr/>
+      </p:nvGrpSpPr>
+      <p:grpSpPr>
+        <a:xfrm>
+          <a:off x="0" y="0"/>
+          <a:ext cx="0" cy="0"/>
+          <a:chOff x="0" y="0"/>
+          <a:chExt cx="0" cy="0"/>
+        </a:xfrm>
+      </p:grpSpPr>
+      <p:sp>
+        <p:nvSpPr>
+          <p:cNvPr id="237" name="Google Shape;237;g2ebaabe033b_0_20"/>
+          <p:cNvSpPr txBox="1"/>
+          <p:nvPr>
+            <p:ph type="title"/>
+          </p:nvPr>
+        </p:nvSpPr>
+        <p:spPr>
+          <a:xfrm>
+            <a:off x="2615400" y="0"/>
+            <a:ext cx="6961200" cy="878100"/>
+          </a:xfrm>
+          <a:prstGeom prst="rect">
+            <a:avLst/>
+          </a:prstGeom>
+        </p:spPr>
+        <p:txBody>
+          <a:bodyPr anchorCtr="0" anchor="ctr" bIns="45700" lIns="91425" spcFirstLastPara="1" rIns="91425" wrap="square" tIns="45700">
+            <a:normAutofit/>
+          </a:bodyPr>
+          <a:lstStyle/>
+          <a:p>
+            <a:pPr indent="0" lvl="0" marL="0" rtl="0" algn="ctr">
+              <a:spcBef>
+                <a:spcPts val="0"/>
+              </a:spcBef>
+              <a:spcAft>
+                <a:spcPts val="0"/>
+              </a:spcAft>
+              <a:buNone/>
+            </a:pPr>
+            <a:r>
+              <a:rPr b="1" lang="en-US" sz="2400">
+                <a:latin typeface="Times New Roman"/>
+                <a:ea typeface="Times New Roman"/>
+                <a:cs typeface="Times New Roman"/>
+                <a:sym typeface="Times New Roman"/>
+              </a:rPr>
+              <a:t>Cosmodeep Convolutional Neural Network</a:t>
+            </a:r>
+            <a:endParaRPr b="1" sz="2400">
+              <a:latin typeface="Times New Roman"/>
+              <a:ea typeface="Times New Roman"/>
+              <a:cs typeface="Times New Roman"/>
+              <a:sym typeface="Times New Roman"/>
+            </a:endParaRPr>
+          </a:p>
+        </p:txBody>
+      </p:sp>
+      <p:pic>
+        <p:nvPicPr>
+          <p:cNvPr id="238" name="Google Shape;238;g2ebaabe033b_0_20"/>
+          <p:cNvPicPr preferRelativeResize="0"/>
+          <p:nvPr/>
+        </p:nvPicPr>
+        <p:blipFill>
+          <a:blip r:embed="rId3">
+            <a:alphaModFix/>
+          </a:blip>
+          <a:stretch>
+            <a:fillRect/>
+          </a:stretch>
+        </p:blipFill>
+        <p:spPr>
+          <a:xfrm>
+            <a:off x="2197013" y="878100"/>
+            <a:ext cx="7797975" cy="3024600"/>
+          </a:xfrm>
+          <a:prstGeom prst="rect">
+            <a:avLst/>
+          </a:prstGeom>
+          <a:noFill/>
+          <a:ln>
+            <a:noFill/>
+          </a:ln>
+        </p:spPr>
+      </p:pic>
+      <p:sp>
+        <p:nvSpPr>
+          <p:cNvPr id="239" name="Google Shape;239;g2ebaabe033b_0_20"/>
+          <p:cNvSpPr txBox="1"/>
+          <p:nvPr/>
+        </p:nvSpPr>
+        <p:spPr>
+          <a:xfrm>
+            <a:off x="2528450" y="4087100"/>
+            <a:ext cx="7466400" cy="2476500"/>
+          </a:xfrm>
+          <a:prstGeom prst="rect">
+            <a:avLst/>
+          </a:prstGeom>
+          <a:noFill/>
+          <a:ln>
+            <a:noFill/>
+          </a:ln>
+        </p:spPr>
+        <p:txBody>
+          <a:bodyPr anchorCtr="0" anchor="t" bIns="91425" lIns="91425" spcFirstLastPara="1" rIns="91425" wrap="square" tIns="91425">
+            <a:noAutofit/>
+          </a:bodyPr>
+          <a:lstStyle/>
+          <a:p>
+            <a:pPr indent="0" lvl="0" marL="0" rtl="0" algn="l">
+              <a:spcBef>
+                <a:spcPts val="0"/>
+              </a:spcBef>
+              <a:spcAft>
+                <a:spcPts val="0"/>
+              </a:spcAft>
+              <a:buNone/>
+            </a:pPr>
+            <a:r>
+              <a:rPr lang="en-US" sz="2800">
+                <a:solidFill>
+                  <a:schemeClr val="dk1"/>
+                </a:solidFill>
+                <a:latin typeface="Times New Roman"/>
+                <a:ea typeface="Times New Roman"/>
+                <a:cs typeface="Times New Roman"/>
+                <a:sym typeface="Times New Roman"/>
+              </a:rPr>
+              <a:t>Workflow</a:t>
+            </a:r>
+            <a:endParaRPr sz="2800">
+              <a:solidFill>
+                <a:schemeClr val="dk1"/>
+              </a:solidFill>
+              <a:latin typeface="Times New Roman"/>
+              <a:ea typeface="Times New Roman"/>
+              <a:cs typeface="Times New Roman"/>
+              <a:sym typeface="Times New Roman"/>
+            </a:endParaRPr>
+          </a:p>
+          <a:p>
+            <a:pPr indent="-406400" lvl="0" marL="457200" rtl="0" algn="l">
+              <a:spcBef>
+                <a:spcPts val="0"/>
+              </a:spcBef>
+              <a:spcAft>
+                <a:spcPts val="0"/>
+              </a:spcAft>
+              <a:buClr>
+                <a:schemeClr val="dk1"/>
+              </a:buClr>
+              <a:buSzPts val="2800"/>
+              <a:buFont typeface="Times New Roman"/>
+              <a:buAutoNum type="arabicPeriod"/>
+            </a:pPr>
+            <a:r>
+              <a:rPr lang="en-US" sz="2800">
+                <a:solidFill>
+                  <a:schemeClr val="dk1"/>
+                </a:solidFill>
+                <a:latin typeface="Times New Roman"/>
+                <a:ea typeface="Times New Roman"/>
+                <a:cs typeface="Times New Roman"/>
+                <a:sym typeface="Times New Roman"/>
+              </a:rPr>
+              <a:t>Image Generation</a:t>
+            </a:r>
+            <a:endParaRPr sz="2800">
+              <a:solidFill>
+                <a:schemeClr val="dk1"/>
+              </a:solidFill>
+              <a:latin typeface="Times New Roman"/>
+              <a:ea typeface="Times New Roman"/>
+              <a:cs typeface="Times New Roman"/>
+              <a:sym typeface="Times New Roman"/>
+            </a:endParaRPr>
+          </a:p>
+          <a:p>
+            <a:pPr indent="-406400" lvl="0" marL="457200" rtl="0" algn="l">
+              <a:spcBef>
+                <a:spcPts val="0"/>
+              </a:spcBef>
+              <a:spcAft>
+                <a:spcPts val="0"/>
+              </a:spcAft>
+              <a:buClr>
+                <a:schemeClr val="dk1"/>
+              </a:buClr>
+              <a:buSzPts val="2800"/>
+              <a:buFont typeface="Times New Roman"/>
+              <a:buAutoNum type="arabicPeriod"/>
+            </a:pPr>
+            <a:r>
+              <a:rPr lang="en-US" sz="2800">
+                <a:solidFill>
+                  <a:schemeClr val="dk1"/>
+                </a:solidFill>
+                <a:latin typeface="Times New Roman"/>
+                <a:ea typeface="Times New Roman"/>
+                <a:cs typeface="Times New Roman"/>
+                <a:sym typeface="Times New Roman"/>
+              </a:rPr>
+              <a:t>Tiling</a:t>
+            </a:r>
+            <a:endParaRPr sz="2800">
+              <a:solidFill>
+                <a:schemeClr val="dk1"/>
+              </a:solidFill>
+              <a:latin typeface="Times New Roman"/>
+              <a:ea typeface="Times New Roman"/>
+              <a:cs typeface="Times New Roman"/>
+              <a:sym typeface="Times New Roman"/>
+            </a:endParaRPr>
+          </a:p>
+          <a:p>
+            <a:pPr indent="-406400" lvl="0" marL="457200" rtl="0" algn="l">
+              <a:spcBef>
+                <a:spcPts val="0"/>
+              </a:spcBef>
+              <a:spcAft>
+                <a:spcPts val="0"/>
+              </a:spcAft>
+              <a:buClr>
+                <a:schemeClr val="dk1"/>
+              </a:buClr>
+              <a:buSzPts val="2800"/>
+              <a:buFont typeface="Times New Roman"/>
+              <a:buAutoNum type="arabicPeriod"/>
+            </a:pPr>
+            <a:r>
+              <a:rPr lang="en-US" sz="2800">
+                <a:solidFill>
+                  <a:schemeClr val="dk1"/>
+                </a:solidFill>
+                <a:latin typeface="Times New Roman"/>
+                <a:ea typeface="Times New Roman"/>
+                <a:cs typeface="Times New Roman"/>
+                <a:sym typeface="Times New Roman"/>
+              </a:rPr>
+              <a:t>Labelling</a:t>
+            </a:r>
+            <a:endParaRPr sz="2800">
+              <a:solidFill>
+                <a:schemeClr val="dk1"/>
+              </a:solidFill>
+              <a:latin typeface="Times New Roman"/>
+              <a:ea typeface="Times New Roman"/>
+              <a:cs typeface="Times New Roman"/>
+              <a:sym typeface="Times New Roman"/>
+            </a:endParaRPr>
+          </a:p>
+          <a:p>
+            <a:pPr indent="-406400" lvl="0" marL="457200" rtl="0" algn="l">
+              <a:spcBef>
+                <a:spcPts val="0"/>
+              </a:spcBef>
+              <a:spcAft>
+                <a:spcPts val="0"/>
+              </a:spcAft>
+              <a:buClr>
+                <a:schemeClr val="dk1"/>
+              </a:buClr>
+              <a:buSzPts val="2800"/>
+              <a:buFont typeface="Times New Roman"/>
+              <a:buAutoNum type="arabicPeriod"/>
+            </a:pPr>
+            <a:r>
+              <a:rPr lang="en-US" sz="2800">
+                <a:solidFill>
+                  <a:schemeClr val="dk1"/>
+                </a:solidFill>
+                <a:latin typeface="Times New Roman"/>
+                <a:ea typeface="Times New Roman"/>
+                <a:cs typeface="Times New Roman"/>
+                <a:sym typeface="Times New Roman"/>
+              </a:rPr>
+              <a:t>Feeding into Model</a:t>
+            </a:r>
+            <a:endParaRPr sz="2800">
+              <a:solidFill>
+                <a:schemeClr val="dk1"/>
+              </a:solidFill>
+              <a:latin typeface="Times New Roman"/>
+              <a:ea typeface="Times New Roman"/>
+              <a:cs typeface="Times New Roman"/>
+              <a:sym typeface="Times New Roman"/>
+            </a:endParaRPr>
+          </a:p>
+        </p:txBody>
+      </p:sp>
+    </p:spTree>
+  </p:cSld>
+  <p:clrMapOvr>
+    <a:masterClrMapping/>
+  </p:clrMapOvr>
+</p:sld>
+</file>
+
 <file path=ppt/slides/slide2.xml><?xml version="1.0" encoding="utf-8"?>
 <p:sld xmlns:a="http://schemas.openxmlformats.org/drawingml/2006/main" xmlns:r="http://schemas.openxmlformats.org/officeDocument/2006/relationships" xmlns:mc="http://schemas.openxmlformats.org/markup-compatibility/2006" xmlns:mv="urn:schemas-microsoft-com:mac:vml" xmlns:p="http://schemas.openxmlformats.org/presentationml/2006/main" xmlns:c="http://schemas.openxmlformats.org/drawingml/2006/chart" xmlns:dgm="http://schemas.openxmlformats.org/drawingml/2006/diagram" xmlns:o="urn:schemas-microsoft-com:office:office" xmlns:v="urn:schemas-microsoft-com:vml" xmlns:pvml="urn:schemas-microsoft-com:office:powerpoint" xmlns:com="http://schemas.openxmlformats.org/drawingml/2006/compatibility" xmlns:p14="http://schemas.microsoft.com/office/powerpoint/2010/main" xmlns:p15="http://schemas.microsoft.com/office/powerpoint/2012/main" xmlns:ahyp="http://schemas.microsoft.com/office/drawing/2018/hyperlinkcolor">
   <p:cSld>
